--- a/Week_2/OmarSafwat.pptx
+++ b/Week_2/OmarSafwat.pptx
@@ -281,7 +281,7 @@
           <a:p>
             <a:fld id="{C764DE79-268F-4C1A-8933-263129D2AF90}" type="datetimeFigureOut">
               <a:rPr lang="en-US" dirty="0"/>
-              <a:t>03/07/2021</a:t>
+              <a:t>03/11/2021</a:t>
             </a:fld>
             <a:endParaRPr lang="en-US"/>
           </a:p>
@@ -449,7 +449,7 @@
           <a:p>
             <a:fld id="{C764DE79-268F-4C1A-8933-263129D2AF90}" type="datetimeFigureOut">
               <a:rPr lang="en-US" dirty="0"/>
-              <a:t>03/07/2021</a:t>
+              <a:t>03/11/2021</a:t>
             </a:fld>
             <a:endParaRPr lang="en-US"/>
           </a:p>
@@ -627,7 +627,7 @@
           <a:p>
             <a:fld id="{C764DE79-268F-4C1A-8933-263129D2AF90}" type="datetimeFigureOut">
               <a:rPr lang="en-US" dirty="0"/>
-              <a:t>03/07/2021</a:t>
+              <a:t>03/11/2021</a:t>
             </a:fld>
             <a:endParaRPr lang="en-US"/>
           </a:p>
@@ -795,7 +795,7 @@
           <a:p>
             <a:fld id="{C764DE79-268F-4C1A-8933-263129D2AF90}" type="datetimeFigureOut">
               <a:rPr lang="en-US" dirty="0"/>
-              <a:t>03/07/2021</a:t>
+              <a:t>03/11/2021</a:t>
             </a:fld>
             <a:endParaRPr lang="en-US"/>
           </a:p>
@@ -1040,7 +1040,7 @@
           <a:p>
             <a:fld id="{C764DE79-268F-4C1A-8933-263129D2AF90}" type="datetimeFigureOut">
               <a:rPr lang="en-US" dirty="0"/>
-              <a:t>03/07/2021</a:t>
+              <a:t>03/11/2021</a:t>
             </a:fld>
             <a:endParaRPr lang="en-US"/>
           </a:p>
@@ -1269,7 +1269,7 @@
           <a:p>
             <a:fld id="{C764DE79-268F-4C1A-8933-263129D2AF90}" type="datetimeFigureOut">
               <a:rPr lang="en-US" dirty="0"/>
-              <a:t>03/07/2021</a:t>
+              <a:t>03/11/2021</a:t>
             </a:fld>
             <a:endParaRPr lang="en-US"/>
           </a:p>
@@ -1633,7 +1633,7 @@
           <a:p>
             <a:fld id="{C764DE79-268F-4C1A-8933-263129D2AF90}" type="datetimeFigureOut">
               <a:rPr lang="en-US" dirty="0"/>
-              <a:t>03/07/2021</a:t>
+              <a:t>03/11/2021</a:t>
             </a:fld>
             <a:endParaRPr lang="en-US"/>
           </a:p>
@@ -1750,7 +1750,7 @@
           <a:p>
             <a:fld id="{C764DE79-268F-4C1A-8933-263129D2AF90}" type="datetimeFigureOut">
               <a:rPr lang="en-US" dirty="0"/>
-              <a:t>03/07/2021</a:t>
+              <a:t>03/11/2021</a:t>
             </a:fld>
             <a:endParaRPr lang="en-US"/>
           </a:p>
@@ -1845,7 +1845,7 @@
           <a:p>
             <a:fld id="{C764DE79-268F-4C1A-8933-263129D2AF90}" type="datetimeFigureOut">
               <a:rPr lang="en-US" dirty="0"/>
-              <a:t>03/07/2021</a:t>
+              <a:t>03/11/2021</a:t>
             </a:fld>
             <a:endParaRPr lang="en-US"/>
           </a:p>
@@ -2120,7 +2120,7 @@
           <a:p>
             <a:fld id="{C764DE79-268F-4C1A-8933-263129D2AF90}" type="datetimeFigureOut">
               <a:rPr lang="en-US" dirty="0"/>
-              <a:t>03/07/2021</a:t>
+              <a:t>03/11/2021</a:t>
             </a:fld>
             <a:endParaRPr lang="en-US"/>
           </a:p>
@@ -2375,7 +2375,7 @@
           <a:p>
             <a:fld id="{C764DE79-268F-4C1A-8933-263129D2AF90}" type="datetimeFigureOut">
               <a:rPr lang="en-US" dirty="0"/>
-              <a:t>03/07/2021</a:t>
+              <a:t>03/11/2021</a:t>
             </a:fld>
             <a:endParaRPr lang="en-US"/>
           </a:p>
@@ -2586,7 +2586,7 @@
           <a:p>
             <a:fld id="{C764DE79-268F-4C1A-8933-263129D2AF90}" type="datetimeFigureOut">
               <a:rPr lang="en-US" dirty="0"/>
-              <a:t>03/07/2021</a:t>
+              <a:t>03/11/2021</a:t>
             </a:fld>
             <a:endParaRPr lang="en-US"/>
           </a:p>
@@ -3050,7 +3050,7 @@
         <p:spPr>
           <a:xfrm>
             <a:off x="870857" y="2380343"/>
-            <a:ext cx="8873711" cy="2154436"/>
+            <a:ext cx="8873711" cy="3570208"/>
           </a:xfrm>
           <a:prstGeom prst="rect">
             <a:avLst/>
@@ -3077,13 +3077,25 @@
           <a:p>
             <a:r>
               <a:rPr lang="en-US" sz="4000" dirty="0"/>
-              <a:t>Week 2: EDA</a:t>
-            </a:r>
-          </a:p>
-          <a:p>
-            <a:r>
-              <a:rPr lang="en-US" sz="2800" b="1" dirty="0"/>
-              <a:t>2021-03-07</a:t>
+              <a:t>Name: Omar Safwat</a:t>
+            </a:r>
+          </a:p>
+          <a:p>
+            <a:r>
+              <a:rPr lang="en-US" sz="4000" dirty="0"/>
+              <a:t>Location: Egypt</a:t>
+            </a:r>
+          </a:p>
+          <a:p>
+            <a:r>
+              <a:rPr lang="en-US" sz="4000" dirty="0"/>
+              <a:t>Team: Data Science and Analytics</a:t>
+            </a:r>
+          </a:p>
+          <a:p>
+            <a:r>
+              <a:rPr lang="en-US" sz="4000" dirty="0"/>
+              <a:t>Date: 11-March-2021</a:t>
             </a:r>
           </a:p>
         </p:txBody>
